--- a/source/vsf/documents/vsf_structure.pptx
+++ b/source/vsf/documents/vsf_structure.pptx
@@ -104,6 +104,11 @@
       </a:defRPr>
     </a:lvl9pPr>
   </p:defaultTextStyle>
+  <p:extLst>
+    <p:ext uri="{EFAFB233-063F-42B5-8137-9DF3F51BA10A}">
+      <p15:sldGuideLst xmlns:p15="http://schemas.microsoft.com/office/powerpoint/2012/main"/>
+    </p:ext>
+  </p:extLst>
 </p:presentation>
 </file>
 
@@ -256,7 +261,7 @@
           <a:p>
             <a:fld id="{9354F68C-8213-4CA4-84EB-EFCFBA0D9D02}" type="datetimeFigureOut">
               <a:rPr lang="en-GB" smtClean="0"/>
-              <a:t>25/03/2019</a:t>
+              <a:t>23/10/2019</a:t>
             </a:fld>
             <a:endParaRPr lang="en-GB"/>
           </a:p>
@@ -456,7 +461,7 @@
           <a:p>
             <a:fld id="{9354F68C-8213-4CA4-84EB-EFCFBA0D9D02}" type="datetimeFigureOut">
               <a:rPr lang="en-GB" smtClean="0"/>
-              <a:t>25/03/2019</a:t>
+              <a:t>23/10/2019</a:t>
             </a:fld>
             <a:endParaRPr lang="en-GB"/>
           </a:p>
@@ -666,7 +671,7 @@
           <a:p>
             <a:fld id="{9354F68C-8213-4CA4-84EB-EFCFBA0D9D02}" type="datetimeFigureOut">
               <a:rPr lang="en-GB" smtClean="0"/>
-              <a:t>25/03/2019</a:t>
+              <a:t>23/10/2019</a:t>
             </a:fld>
             <a:endParaRPr lang="en-GB"/>
           </a:p>
@@ -866,7 +871,7 @@
           <a:p>
             <a:fld id="{9354F68C-8213-4CA4-84EB-EFCFBA0D9D02}" type="datetimeFigureOut">
               <a:rPr lang="en-GB" smtClean="0"/>
-              <a:t>25/03/2019</a:t>
+              <a:t>23/10/2019</a:t>
             </a:fld>
             <a:endParaRPr lang="en-GB"/>
           </a:p>
@@ -1142,7 +1147,7 @@
           <a:p>
             <a:fld id="{9354F68C-8213-4CA4-84EB-EFCFBA0D9D02}" type="datetimeFigureOut">
               <a:rPr lang="en-GB" smtClean="0"/>
-              <a:t>25/03/2019</a:t>
+              <a:t>23/10/2019</a:t>
             </a:fld>
             <a:endParaRPr lang="en-GB"/>
           </a:p>
@@ -1410,7 +1415,7 @@
           <a:p>
             <a:fld id="{9354F68C-8213-4CA4-84EB-EFCFBA0D9D02}" type="datetimeFigureOut">
               <a:rPr lang="en-GB" smtClean="0"/>
-              <a:t>25/03/2019</a:t>
+              <a:t>23/10/2019</a:t>
             </a:fld>
             <a:endParaRPr lang="en-GB"/>
           </a:p>
@@ -1825,7 +1830,7 @@
           <a:p>
             <a:fld id="{9354F68C-8213-4CA4-84EB-EFCFBA0D9D02}" type="datetimeFigureOut">
               <a:rPr lang="en-GB" smtClean="0"/>
-              <a:t>25/03/2019</a:t>
+              <a:t>23/10/2019</a:t>
             </a:fld>
             <a:endParaRPr lang="en-GB"/>
           </a:p>
@@ -1967,7 +1972,7 @@
           <a:p>
             <a:fld id="{9354F68C-8213-4CA4-84EB-EFCFBA0D9D02}" type="datetimeFigureOut">
               <a:rPr lang="en-GB" smtClean="0"/>
-              <a:t>25/03/2019</a:t>
+              <a:t>23/10/2019</a:t>
             </a:fld>
             <a:endParaRPr lang="en-GB"/>
           </a:p>
@@ -2080,7 +2085,7 @@
           <a:p>
             <a:fld id="{9354F68C-8213-4CA4-84EB-EFCFBA0D9D02}" type="datetimeFigureOut">
               <a:rPr lang="en-GB" smtClean="0"/>
-              <a:t>25/03/2019</a:t>
+              <a:t>23/10/2019</a:t>
             </a:fld>
             <a:endParaRPr lang="en-GB"/>
           </a:p>
@@ -2393,7 +2398,7 @@
           <a:p>
             <a:fld id="{9354F68C-8213-4CA4-84EB-EFCFBA0D9D02}" type="datetimeFigureOut">
               <a:rPr lang="en-GB" smtClean="0"/>
-              <a:t>25/03/2019</a:t>
+              <a:t>23/10/2019</a:t>
             </a:fld>
             <a:endParaRPr lang="en-GB"/>
           </a:p>
@@ -2682,7 +2687,7 @@
           <a:p>
             <a:fld id="{9354F68C-8213-4CA4-84EB-EFCFBA0D9D02}" type="datetimeFigureOut">
               <a:rPr lang="en-GB" smtClean="0"/>
-              <a:t>25/03/2019</a:t>
+              <a:t>23/10/2019</a:t>
             </a:fld>
             <a:endParaRPr lang="en-GB"/>
           </a:p>
@@ -2925,7 +2930,7 @@
           <a:p>
             <a:fld id="{9354F68C-8213-4CA4-84EB-EFCFBA0D9D02}" type="datetimeFigureOut">
               <a:rPr lang="en-GB" smtClean="0"/>
-              <a:t>25/03/2019</a:t>
+              <a:t>23/10/2019</a:t>
             </a:fld>
             <a:endParaRPr lang="en-GB"/>
           </a:p>
@@ -3583,8 +3588,8 @@
         </p:nvSpPr>
         <p:spPr>
           <a:xfrm>
-            <a:off x="1095375" y="4088606"/>
-            <a:ext cx="4533900" cy="781050"/>
+            <a:off x="1095375" y="4295283"/>
+            <a:ext cx="4533900" cy="610750"/>
           </a:xfrm>
           <a:prstGeom prst="rect">
             <a:avLst/>
@@ -3637,8 +3642,8 @@
         </p:nvSpPr>
         <p:spPr>
           <a:xfrm>
-            <a:off x="1095375" y="2359819"/>
-            <a:ext cx="4533900" cy="781050"/>
+            <a:off x="1095375" y="2189518"/>
+            <a:ext cx="4533900" cy="634234"/>
           </a:xfrm>
           <a:prstGeom prst="rect">
             <a:avLst/>
@@ -3684,8 +3689,8 @@
         </p:nvSpPr>
         <p:spPr>
           <a:xfrm>
-            <a:off x="1095375" y="3224213"/>
-            <a:ext cx="4533900" cy="781050"/>
+            <a:off x="1095375" y="3602240"/>
+            <a:ext cx="4533900" cy="610750"/>
           </a:xfrm>
           <a:prstGeom prst="rect">
             <a:avLst/>
@@ -3732,7 +3737,7 @@
         <p:spPr>
           <a:xfrm>
             <a:off x="1095375" y="1495425"/>
-            <a:ext cx="4533900" cy="781050"/>
+            <a:ext cx="4533900" cy="634234"/>
           </a:xfrm>
           <a:prstGeom prst="rect">
             <a:avLst/>
@@ -3815,6 +3820,62 @@
               <a:rPr lang="en-GB" dirty="0"/>
               <a:t>APPLICATIONS</a:t>
             </a:r>
+          </a:p>
+        </p:txBody>
+      </p:sp>
+      <p:sp>
+        <p:nvSpPr>
+          <p:cNvPr id="9" name="Rectangle 8">
+            <a:extLst>
+              <a:ext uri="{FF2B5EF4-FFF2-40B4-BE49-F238E27FC236}">
+                <a16:creationId xmlns:a16="http://schemas.microsoft.com/office/drawing/2014/main" id="{3EB272A8-7F9B-49CA-BE99-E17AC1F10479}"/>
+              </a:ext>
+            </a:extLst>
+          </p:cNvPr>
+          <p:cNvSpPr/>
+          <p:nvPr/>
+        </p:nvSpPr>
+        <p:spPr>
+          <a:xfrm>
+            <a:off x="1095375" y="2901989"/>
+            <a:ext cx="4533900" cy="634234"/>
+          </a:xfrm>
+          <a:prstGeom prst="rect">
+            <a:avLst/>
+          </a:prstGeom>
+        </p:spPr>
+        <p:style>
+          <a:lnRef idx="1">
+            <a:schemeClr val="accent3"/>
+          </a:lnRef>
+          <a:fillRef idx="3">
+            <a:schemeClr val="accent3"/>
+          </a:fillRef>
+          <a:effectRef idx="2">
+            <a:schemeClr val="accent3"/>
+          </a:effectRef>
+          <a:fontRef idx="minor">
+            <a:schemeClr val="lt1"/>
+          </a:fontRef>
+        </p:style>
+        <p:txBody>
+          <a:bodyPr rtlCol="0" anchor="ctr"/>
+          <a:lstStyle/>
+          <a:p>
+            <a:pPr algn="ctr"/>
+            <a:r>
+              <a:rPr lang="en-US" altLang="zh-CN" dirty="0" err="1"/>
+              <a:t>OSA_Services</a:t>
+            </a:r>
+            <a:endParaRPr lang="en-US" altLang="zh-CN" dirty="0"/>
+          </a:p>
+          <a:p>
+            <a:pPr algn="ctr"/>
+            <a:r>
+              <a:rPr lang="en-US" dirty="0"/>
+              <a:t>(OS Aware Services)</a:t>
+            </a:r>
+            <a:endParaRPr lang="en-GB" dirty="0"/>
           </a:p>
         </p:txBody>
       </p:sp>

--- a/source/vsf/documents/vsf_structure.pptx
+++ b/source/vsf/documents/vsf_structure.pptx
@@ -270,7 +270,7 @@
           <a:p>
             <a:fld id="{9354F68C-8213-4CA4-84EB-EFCFBA0D9D02}" type="datetimeFigureOut">
               <a:rPr lang="en-GB" smtClean="0"/>
-              <a:t>27/12/2019</a:t>
+              <a:t>07/01/2020</a:t>
             </a:fld>
             <a:endParaRPr lang="en-GB"/>
           </a:p>
@@ -470,7 +470,7 @@
           <a:p>
             <a:fld id="{9354F68C-8213-4CA4-84EB-EFCFBA0D9D02}" type="datetimeFigureOut">
               <a:rPr lang="en-GB" smtClean="0"/>
-              <a:t>27/12/2019</a:t>
+              <a:t>07/01/2020</a:t>
             </a:fld>
             <a:endParaRPr lang="en-GB"/>
           </a:p>
@@ -680,7 +680,7 @@
           <a:p>
             <a:fld id="{9354F68C-8213-4CA4-84EB-EFCFBA0D9D02}" type="datetimeFigureOut">
               <a:rPr lang="en-GB" smtClean="0"/>
-              <a:t>27/12/2019</a:t>
+              <a:t>07/01/2020</a:t>
             </a:fld>
             <a:endParaRPr lang="en-GB"/>
           </a:p>
@@ -880,7 +880,7 @@
           <a:p>
             <a:fld id="{9354F68C-8213-4CA4-84EB-EFCFBA0D9D02}" type="datetimeFigureOut">
               <a:rPr lang="en-GB" smtClean="0"/>
-              <a:t>27/12/2019</a:t>
+              <a:t>07/01/2020</a:t>
             </a:fld>
             <a:endParaRPr lang="en-GB"/>
           </a:p>
@@ -1156,7 +1156,7 @@
           <a:p>
             <a:fld id="{9354F68C-8213-4CA4-84EB-EFCFBA0D9D02}" type="datetimeFigureOut">
               <a:rPr lang="en-GB" smtClean="0"/>
-              <a:t>27/12/2019</a:t>
+              <a:t>07/01/2020</a:t>
             </a:fld>
             <a:endParaRPr lang="en-GB"/>
           </a:p>
@@ -1424,7 +1424,7 @@
           <a:p>
             <a:fld id="{9354F68C-8213-4CA4-84EB-EFCFBA0D9D02}" type="datetimeFigureOut">
               <a:rPr lang="en-GB" smtClean="0"/>
-              <a:t>27/12/2019</a:t>
+              <a:t>07/01/2020</a:t>
             </a:fld>
             <a:endParaRPr lang="en-GB"/>
           </a:p>
@@ -1839,7 +1839,7 @@
           <a:p>
             <a:fld id="{9354F68C-8213-4CA4-84EB-EFCFBA0D9D02}" type="datetimeFigureOut">
               <a:rPr lang="en-GB" smtClean="0"/>
-              <a:t>27/12/2019</a:t>
+              <a:t>07/01/2020</a:t>
             </a:fld>
             <a:endParaRPr lang="en-GB"/>
           </a:p>
@@ -1981,7 +1981,7 @@
           <a:p>
             <a:fld id="{9354F68C-8213-4CA4-84EB-EFCFBA0D9D02}" type="datetimeFigureOut">
               <a:rPr lang="en-GB" smtClean="0"/>
-              <a:t>27/12/2019</a:t>
+              <a:t>07/01/2020</a:t>
             </a:fld>
             <a:endParaRPr lang="en-GB"/>
           </a:p>
@@ -2094,7 +2094,7 @@
           <a:p>
             <a:fld id="{9354F68C-8213-4CA4-84EB-EFCFBA0D9D02}" type="datetimeFigureOut">
               <a:rPr lang="en-GB" smtClean="0"/>
-              <a:t>27/12/2019</a:t>
+              <a:t>07/01/2020</a:t>
             </a:fld>
             <a:endParaRPr lang="en-GB"/>
           </a:p>
@@ -2407,7 +2407,7 @@
           <a:p>
             <a:fld id="{9354F68C-8213-4CA4-84EB-EFCFBA0D9D02}" type="datetimeFigureOut">
               <a:rPr lang="en-GB" smtClean="0"/>
-              <a:t>27/12/2019</a:t>
+              <a:t>07/01/2020</a:t>
             </a:fld>
             <a:endParaRPr lang="en-GB"/>
           </a:p>
@@ -2696,7 +2696,7 @@
           <a:p>
             <a:fld id="{9354F68C-8213-4CA4-84EB-EFCFBA0D9D02}" type="datetimeFigureOut">
               <a:rPr lang="en-GB" smtClean="0"/>
-              <a:t>27/12/2019</a:t>
+              <a:t>07/01/2020</a:t>
             </a:fld>
             <a:endParaRPr lang="en-GB"/>
           </a:p>
@@ -2939,7 +2939,7 @@
           <a:p>
             <a:fld id="{9354F68C-8213-4CA4-84EB-EFCFBA0D9D02}" type="datetimeFigureOut">
               <a:rPr lang="en-GB" smtClean="0"/>
-              <a:t>27/12/2019</a:t>
+              <a:t>07/01/2020</a:t>
             </a:fld>
             <a:endParaRPr lang="en-GB"/>
           </a:p>
@@ -6270,20 +6270,12 @@
               <a:t>Use API </a:t>
             </a:r>
             <a:r>
-              <a:rPr lang="en-GB" sz="2400" dirty="0" err="1">
-                <a:solidFill>
-                  <a:srgbClr val="FFFF00"/>
-                </a:solidFill>
-              </a:rPr>
-              <a:t>vsf_tgui_control_get_absolute_location_with_offset</a:t>
-            </a:r>
-            <a:r>
               <a:rPr lang="en-GB" sz="2400" dirty="0">
                 <a:solidFill>
                   <a:srgbClr val="FFFF00"/>
                 </a:solidFill>
               </a:rPr>
-              <a:t> </a:t>
+              <a:t>vsf_tgui_control_get_absolute_location </a:t>
             </a:r>
             <a:r>
               <a:rPr lang="en-GB" sz="1400" dirty="0"/>
@@ -7413,8 +7405,8 @@
         </p:nvSpPr>
         <p:spPr>
           <a:xfrm>
-            <a:off x="4444302" y="699413"/>
-            <a:ext cx="6454303" cy="845603"/>
+            <a:off x="1349666" y="289990"/>
+            <a:ext cx="9013534" cy="1362067"/>
           </a:xfrm>
           <a:prstGeom prst="flowChartAlternateProcess">
             <a:avLst/>
@@ -7454,11 +7446,141 @@
             </a:r>
             <a:r>
               <a:rPr lang="en-GB" sz="1400" dirty="0"/>
-              <a:t>to get the absolute region (with absolute coordinate point) by providing a relative region</a:t>
-            </a:r>
-          </a:p>
-        </p:txBody>
-      </p:sp>
+              <a:t>to get the absolute region (with absolute coordinate point) by providing a relative region </a:t>
+            </a:r>
+            <a:r>
+              <a:rPr lang="en-US" altLang="zh-CN" sz="1400" dirty="0"/>
+              <a:t>inside a control. </a:t>
+            </a:r>
+          </a:p>
+          <a:p>
+            <a:r>
+              <a:rPr lang="en-US" sz="1400" dirty="0"/>
+              <a:t>Use API </a:t>
+            </a:r>
+            <a:r>
+              <a:rPr lang="en-GB" sz="2400" dirty="0">
+                <a:solidFill>
+                  <a:srgbClr val="FFFF00"/>
+                </a:solidFill>
+              </a:rPr>
+              <a:t>vsf_tgui_get_absolute_control_region</a:t>
+            </a:r>
+            <a:r>
+              <a:rPr lang="en-GB" dirty="0"/>
+              <a:t> </a:t>
+            </a:r>
+            <a:r>
+              <a:rPr lang="en-GB" sz="1400" dirty="0"/>
+              <a:t>to get the absolute region of the target control. </a:t>
+            </a:r>
+          </a:p>
+        </p:txBody>
+      </p:sp>
+      <p:sp>
+        <p:nvSpPr>
+          <p:cNvPr id="20" name="Rectangle 19">
+            <a:extLst>
+              <a:ext uri="{FF2B5EF4-FFF2-40B4-BE49-F238E27FC236}">
+                <a16:creationId xmlns:a16="http://schemas.microsoft.com/office/drawing/2014/main" id="{B590A752-922E-477A-9588-2F77DBE77CFD}"/>
+              </a:ext>
+            </a:extLst>
+          </p:cNvPr>
+          <p:cNvSpPr/>
+          <p:nvPr/>
+        </p:nvSpPr>
+        <p:spPr>
+          <a:xfrm>
+            <a:off x="5307137" y="4903824"/>
+            <a:ext cx="1533322" cy="348593"/>
+          </a:xfrm>
+          <a:prstGeom prst="rect">
+            <a:avLst/>
+          </a:prstGeom>
+          <a:noFill/>
+          <a:ln w="28575">
+            <a:solidFill>
+              <a:srgbClr val="FFC000"/>
+            </a:solidFill>
+          </a:ln>
+        </p:spPr>
+        <p:style>
+          <a:lnRef idx="2">
+            <a:schemeClr val="accent1">
+              <a:shade val="50000"/>
+            </a:schemeClr>
+          </a:lnRef>
+          <a:fillRef idx="1">
+            <a:schemeClr val="accent1"/>
+          </a:fillRef>
+          <a:effectRef idx="0">
+            <a:schemeClr val="accent1"/>
+          </a:effectRef>
+          <a:fontRef idx="minor">
+            <a:schemeClr val="lt1"/>
+          </a:fontRef>
+        </p:style>
+        <p:txBody>
+          <a:bodyPr rtlCol="0" anchor="t"/>
+          <a:lstStyle/>
+          <a:p>
+            <a:pPr algn="ctr"/>
+            <a:r>
+              <a:rPr lang="en-GB" sz="1400" dirty="0">
+                <a:solidFill>
+                  <a:srgbClr val="00B050"/>
+                </a:solidFill>
+              </a:rPr>
+              <a:t>Dirty Region</a:t>
+            </a:r>
+          </a:p>
+        </p:txBody>
+      </p:sp>
+      <p:cxnSp>
+        <p:nvCxnSpPr>
+          <p:cNvPr id="21" name="Straight Arrow Connector 20">
+            <a:extLst>
+              <a:ext uri="{FF2B5EF4-FFF2-40B4-BE49-F238E27FC236}">
+                <a16:creationId xmlns:a16="http://schemas.microsoft.com/office/drawing/2014/main" id="{5C933083-82AB-45A1-9304-3987E38118B7}"/>
+              </a:ext>
+            </a:extLst>
+          </p:cNvPr>
+          <p:cNvCxnSpPr>
+            <a:cxnSpLocks/>
+          </p:cNvCxnSpPr>
+          <p:nvPr/>
+        </p:nvCxnSpPr>
+        <p:spPr>
+          <a:xfrm>
+            <a:off x="4898272" y="4564038"/>
+            <a:ext cx="408865" cy="334616"/>
+          </a:xfrm>
+          <a:prstGeom prst="straightConnector1">
+            <a:avLst/>
+          </a:prstGeom>
+          <a:ln w="25400">
+            <a:solidFill>
+              <a:srgbClr val="FFC000"/>
+            </a:solidFill>
+            <a:headEnd type="arrow" w="lg" len="lg"/>
+            <a:tailEnd type="arrow" w="lg" len="lg"/>
+          </a:ln>
+        </p:spPr>
+        <p:style>
+          <a:lnRef idx="1">
+            <a:schemeClr val="accent1"/>
+          </a:lnRef>
+          <a:fillRef idx="0">
+            <a:schemeClr val="accent1"/>
+          </a:fillRef>
+          <a:effectRef idx="0">
+            <a:schemeClr val="accent1"/>
+          </a:effectRef>
+          <a:fontRef idx="minor">
+            <a:schemeClr val="tx1"/>
+          </a:fontRef>
+        </p:style>
+      </p:cxnSp>
     </p:spTree>
     <p:extLst>
       <p:ext uri="{BB962C8B-B14F-4D97-AF65-F5344CB8AC3E}">
@@ -7863,66 +7985,6 @@
       </p:sp>
       <p:sp>
         <p:nvSpPr>
-          <p:cNvPr id="56" name="Flowchart: Alternate Process 55">
-            <a:extLst>
-              <a:ext uri="{FF2B5EF4-FFF2-40B4-BE49-F238E27FC236}">
-                <a16:creationId xmlns:a16="http://schemas.microsoft.com/office/drawing/2014/main" id="{AAADED3F-AB4D-4073-ACFF-9E1AB7CBA1F8}"/>
-              </a:ext>
-            </a:extLst>
-          </p:cNvPr>
-          <p:cNvSpPr/>
-          <p:nvPr/>
-        </p:nvSpPr>
-        <p:spPr>
-          <a:xfrm>
-            <a:off x="4444302" y="699413"/>
-            <a:ext cx="6454303" cy="845603"/>
-          </a:xfrm>
-          <a:prstGeom prst="flowChartAlternateProcess">
-            <a:avLst/>
-          </a:prstGeom>
-        </p:spPr>
-        <p:style>
-          <a:lnRef idx="2">
-            <a:schemeClr val="accent1">
-              <a:shade val="50000"/>
-            </a:schemeClr>
-          </a:lnRef>
-          <a:fillRef idx="1">
-            <a:schemeClr val="accent1"/>
-          </a:fillRef>
-          <a:effectRef idx="0">
-            <a:schemeClr val="accent1"/>
-          </a:effectRef>
-          <a:fontRef idx="minor">
-            <a:schemeClr val="lt1"/>
-          </a:fontRef>
-        </p:style>
-        <p:txBody>
-          <a:bodyPr rtlCol="0" anchor="ctr"/>
-          <a:lstStyle/>
-          <a:p>
-            <a:r>
-              <a:rPr lang="en-US" altLang="zh-CN" sz="1400" dirty="0"/>
-              <a:t>Use API </a:t>
-            </a:r>
-            <a:r>
-              <a:rPr lang="en-GB" sz="2400" dirty="0">
-                <a:solidFill>
-                  <a:srgbClr val="FFFF00"/>
-                </a:solidFill>
-              </a:rPr>
-              <a:t>vsf_tgui_control_get_absolute_region </a:t>
-            </a:r>
-            <a:r>
-              <a:rPr lang="en-GB" sz="1400" dirty="0"/>
-              <a:t>to get the absolute region (with absolute coordinate point) by providing a relative region</a:t>
-            </a:r>
-          </a:p>
-        </p:txBody>
-      </p:sp>
-      <p:sp>
-        <p:nvSpPr>
           <p:cNvPr id="2" name="Rectangle 1">
             <a:extLst>
               <a:ext uri="{FF2B5EF4-FFF2-40B4-BE49-F238E27FC236}">
@@ -8085,6 +8147,92 @@
             <a:r>
               <a:rPr lang="en-GB" dirty="0"/>
               <a:t>to the control’s region.</a:t>
+            </a:r>
+          </a:p>
+        </p:txBody>
+      </p:sp>
+      <p:sp>
+        <p:nvSpPr>
+          <p:cNvPr id="11" name="Flowchart: Alternate Process 10">
+            <a:extLst>
+              <a:ext uri="{FF2B5EF4-FFF2-40B4-BE49-F238E27FC236}">
+                <a16:creationId xmlns:a16="http://schemas.microsoft.com/office/drawing/2014/main" id="{A62F0C50-FC45-4C8F-8840-0C749061A3E1}"/>
+              </a:ext>
+            </a:extLst>
+          </p:cNvPr>
+          <p:cNvSpPr/>
+          <p:nvPr/>
+        </p:nvSpPr>
+        <p:spPr>
+          <a:xfrm>
+            <a:off x="1349666" y="289990"/>
+            <a:ext cx="9013534" cy="1362067"/>
+          </a:xfrm>
+          <a:prstGeom prst="flowChartAlternateProcess">
+            <a:avLst/>
+          </a:prstGeom>
+        </p:spPr>
+        <p:style>
+          <a:lnRef idx="2">
+            <a:schemeClr val="accent1">
+              <a:shade val="50000"/>
+            </a:schemeClr>
+          </a:lnRef>
+          <a:fillRef idx="1">
+            <a:schemeClr val="accent1"/>
+          </a:fillRef>
+          <a:effectRef idx="0">
+            <a:schemeClr val="accent1"/>
+          </a:effectRef>
+          <a:fontRef idx="minor">
+            <a:schemeClr val="lt1"/>
+          </a:fontRef>
+        </p:style>
+        <p:txBody>
+          <a:bodyPr rtlCol="0" anchor="ctr"/>
+          <a:lstStyle/>
+          <a:p>
+            <a:r>
+              <a:rPr lang="en-US" altLang="zh-CN" sz="1400" dirty="0"/>
+              <a:t>Use API </a:t>
+            </a:r>
+            <a:r>
+              <a:rPr lang="en-GB" sz="2400" dirty="0">
+                <a:solidFill>
+                  <a:srgbClr val="FFFF00"/>
+                </a:solidFill>
+              </a:rPr>
+              <a:t>vsf_tgui_control_get_absolute_region </a:t>
+            </a:r>
+            <a:r>
+              <a:rPr lang="en-GB" sz="1400" dirty="0"/>
+              <a:t>to get the absolute region (with absolute coordinate point) by providing a relative region </a:t>
+            </a:r>
+            <a:r>
+              <a:rPr lang="en-US" altLang="zh-CN" sz="1400" dirty="0"/>
+              <a:t>inside a control. </a:t>
+            </a:r>
+          </a:p>
+          <a:p>
+            <a:r>
+              <a:rPr lang="en-US" sz="1400" dirty="0"/>
+              <a:t>Use API </a:t>
+            </a:r>
+            <a:r>
+              <a:rPr lang="en-GB" sz="2400" dirty="0" err="1">
+                <a:solidFill>
+                  <a:srgbClr val="FFFF00"/>
+                </a:solidFill>
+              </a:rPr>
+              <a:t>vsf_tgui_get_absolute_control_region</a:t>
+            </a:r>
+            <a:r>
+              <a:rPr lang="en-GB" dirty="0"/>
+              <a:t> </a:t>
+            </a:r>
+            <a:r>
+              <a:rPr lang="en-GB" sz="1400" dirty="0"/>
+              <a:t>to get the absolute region of the target control. </a:t>
             </a:r>
           </a:p>
         </p:txBody>
